--- a/planning/codeAlive AI Practice UI.pptx
+++ b/planning/codeAlive AI Practice UI.pptx
@@ -6,11 +6,14 @@
   </p:sldMasterIdLst>
   <p:sldIdLst>
     <p:sldId id="256" r:id="rId2"/>
-    <p:sldId id="257" r:id="rId3"/>
-    <p:sldId id="258" r:id="rId4"/>
-    <p:sldId id="259" r:id="rId5"/>
-    <p:sldId id="261" r:id="rId6"/>
-    <p:sldId id="262" r:id="rId7"/>
+    <p:sldId id="263" r:id="rId3"/>
+    <p:sldId id="257" r:id="rId4"/>
+    <p:sldId id="258" r:id="rId5"/>
+    <p:sldId id="259" r:id="rId6"/>
+    <p:sldId id="261" r:id="rId7"/>
+    <p:sldId id="264" r:id="rId8"/>
+    <p:sldId id="265" r:id="rId9"/>
+    <p:sldId id="262" r:id="rId10"/>
   </p:sldIdLst>
   <p:sldSz cx="12192000" cy="6858000"/>
   <p:notesSz cx="6858000" cy="9144000"/>
@@ -264,7 +267,7 @@
           <a:p>
             <a:fld id="{B6900B57-BBA3-4D48-B520-7864EF1CBA60}" type="datetimeFigureOut">
               <a:rPr lang="ko-KR" altLang="en-US" smtClean="0"/>
-              <a:t>2021-01-06</a:t>
+              <a:t>2021-01-13</a:t>
             </a:fld>
             <a:endParaRPr lang="ko-KR" altLang="en-US"/>
           </a:p>
@@ -462,7 +465,7 @@
           <a:p>
             <a:fld id="{B6900B57-BBA3-4D48-B520-7864EF1CBA60}" type="datetimeFigureOut">
               <a:rPr lang="ko-KR" altLang="en-US" smtClean="0"/>
-              <a:t>2021-01-06</a:t>
+              <a:t>2021-01-13</a:t>
             </a:fld>
             <a:endParaRPr lang="ko-KR" altLang="en-US"/>
           </a:p>
@@ -670,7 +673,7 @@
           <a:p>
             <a:fld id="{B6900B57-BBA3-4D48-B520-7864EF1CBA60}" type="datetimeFigureOut">
               <a:rPr lang="ko-KR" altLang="en-US" smtClean="0"/>
-              <a:t>2021-01-06</a:t>
+              <a:t>2021-01-13</a:t>
             </a:fld>
             <a:endParaRPr lang="ko-KR" altLang="en-US"/>
           </a:p>
@@ -868,7 +871,7 @@
           <a:p>
             <a:fld id="{B6900B57-BBA3-4D48-B520-7864EF1CBA60}" type="datetimeFigureOut">
               <a:rPr lang="ko-KR" altLang="en-US" smtClean="0"/>
-              <a:t>2021-01-06</a:t>
+              <a:t>2021-01-13</a:t>
             </a:fld>
             <a:endParaRPr lang="ko-KR" altLang="en-US"/>
           </a:p>
@@ -1143,7 +1146,7 @@
           <a:p>
             <a:fld id="{B6900B57-BBA3-4D48-B520-7864EF1CBA60}" type="datetimeFigureOut">
               <a:rPr lang="ko-KR" altLang="en-US" smtClean="0"/>
-              <a:t>2021-01-06</a:t>
+              <a:t>2021-01-13</a:t>
             </a:fld>
             <a:endParaRPr lang="ko-KR" altLang="en-US"/>
           </a:p>
@@ -1408,7 +1411,7 @@
           <a:p>
             <a:fld id="{B6900B57-BBA3-4D48-B520-7864EF1CBA60}" type="datetimeFigureOut">
               <a:rPr lang="ko-KR" altLang="en-US" smtClean="0"/>
-              <a:t>2021-01-06</a:t>
+              <a:t>2021-01-13</a:t>
             </a:fld>
             <a:endParaRPr lang="ko-KR" altLang="en-US"/>
           </a:p>
@@ -1820,7 +1823,7 @@
           <a:p>
             <a:fld id="{B6900B57-BBA3-4D48-B520-7864EF1CBA60}" type="datetimeFigureOut">
               <a:rPr lang="ko-KR" altLang="en-US" smtClean="0"/>
-              <a:t>2021-01-06</a:t>
+              <a:t>2021-01-13</a:t>
             </a:fld>
             <a:endParaRPr lang="ko-KR" altLang="en-US"/>
           </a:p>
@@ -1961,7 +1964,7 @@
           <a:p>
             <a:fld id="{B6900B57-BBA3-4D48-B520-7864EF1CBA60}" type="datetimeFigureOut">
               <a:rPr lang="ko-KR" altLang="en-US" smtClean="0"/>
-              <a:t>2021-01-06</a:t>
+              <a:t>2021-01-13</a:t>
             </a:fld>
             <a:endParaRPr lang="ko-KR" altLang="en-US"/>
           </a:p>
@@ -2074,7 +2077,7 @@
           <a:p>
             <a:fld id="{B6900B57-BBA3-4D48-B520-7864EF1CBA60}" type="datetimeFigureOut">
               <a:rPr lang="ko-KR" altLang="en-US" smtClean="0"/>
-              <a:t>2021-01-06</a:t>
+              <a:t>2021-01-13</a:t>
             </a:fld>
             <a:endParaRPr lang="ko-KR" altLang="en-US"/>
           </a:p>
@@ -2385,7 +2388,7 @@
           <a:p>
             <a:fld id="{B6900B57-BBA3-4D48-B520-7864EF1CBA60}" type="datetimeFigureOut">
               <a:rPr lang="ko-KR" altLang="en-US" smtClean="0"/>
-              <a:t>2021-01-06</a:t>
+              <a:t>2021-01-13</a:t>
             </a:fld>
             <a:endParaRPr lang="ko-KR" altLang="en-US"/>
           </a:p>
@@ -2673,7 +2676,7 @@
           <a:p>
             <a:fld id="{B6900B57-BBA3-4D48-B520-7864EF1CBA60}" type="datetimeFigureOut">
               <a:rPr lang="ko-KR" altLang="en-US" smtClean="0"/>
-              <a:t>2021-01-06</a:t>
+              <a:t>2021-01-13</a:t>
             </a:fld>
             <a:endParaRPr lang="ko-KR" altLang="en-US"/>
           </a:p>
@@ -2914,7 +2917,7 @@
           <a:p>
             <a:fld id="{B6900B57-BBA3-4D48-B520-7864EF1CBA60}" type="datetimeFigureOut">
               <a:rPr lang="ko-KR" altLang="en-US" smtClean="0"/>
-              <a:t>2021-01-06</a:t>
+              <a:t>2021-01-13</a:t>
             </a:fld>
             <a:endParaRPr lang="ko-KR" altLang="en-US"/>
           </a:p>
@@ -4349,6 +4352,236 @@
           <a:chExt cx="0" cy="0"/>
         </a:xfrm>
       </p:grpSpPr>
+      <p:sp>
+        <p:nvSpPr>
+          <p:cNvPr id="5" name="TextBox 4">
+            <a:extLst>
+              <a:ext uri="{FF2B5EF4-FFF2-40B4-BE49-F238E27FC236}">
+                <a16:creationId xmlns:a16="http://schemas.microsoft.com/office/drawing/2014/main" id="{654F1252-E77C-4E4D-AF03-DA578AFA8FF7}"/>
+              </a:ext>
+            </a:extLst>
+          </p:cNvPr>
+          <p:cNvSpPr txBox="1"/>
+          <p:nvPr/>
+        </p:nvSpPr>
+        <p:spPr>
+          <a:xfrm>
+            <a:off x="8773297" y="436606"/>
+            <a:ext cx="3199915" cy="1477328"/>
+          </a:xfrm>
+          <a:prstGeom prst="rect">
+            <a:avLst/>
+          </a:prstGeom>
+          <a:noFill/>
+        </p:spPr>
+        <p:txBody>
+          <a:bodyPr wrap="none" rtlCol="0">
+            <a:spAutoFit/>
+          </a:bodyPr>
+          <a:lstStyle/>
+          <a:p>
+            <a:r>
+              <a:rPr lang="en-US" altLang="ko-KR" dirty="0"/>
+              <a:t>Csv</a:t>
+            </a:r>
+            <a:r>
+              <a:rPr lang="ko-KR" altLang="en-US" dirty="0"/>
+              <a:t>파일을 열면 자동으로 </a:t>
+            </a:r>
+            <a:endParaRPr lang="en-US" altLang="ko-KR" dirty="0"/>
+          </a:p>
+          <a:p>
+            <a:r>
+              <a:rPr lang="ko-KR" altLang="en-US" dirty="0"/>
+              <a:t>그에 맞게 데이터를 </a:t>
+            </a:r>
+            <a:r>
+              <a:rPr lang="ko-KR" altLang="en-US" dirty="0" err="1"/>
+              <a:t>읽어들여</a:t>
+            </a:r>
+            <a:endParaRPr lang="en-US" altLang="ko-KR" dirty="0"/>
+          </a:p>
+          <a:p>
+            <a:r>
+              <a:rPr lang="en-US" altLang="ko-KR" dirty="0" err="1"/>
+              <a:t>X_train</a:t>
+            </a:r>
+            <a:r>
+              <a:rPr lang="en-US" altLang="ko-KR" dirty="0"/>
+              <a:t>, </a:t>
+            </a:r>
+            <a:r>
+              <a:rPr lang="en-US" altLang="ko-KR" dirty="0" err="1"/>
+              <a:t>Y_train</a:t>
+            </a:r>
+            <a:endParaRPr lang="en-US" altLang="ko-KR" dirty="0"/>
+          </a:p>
+          <a:p>
+            <a:r>
+              <a:rPr lang="en-US" altLang="ko-KR" dirty="0" err="1"/>
+              <a:t>X_test</a:t>
+            </a:r>
+            <a:r>
+              <a:rPr lang="en-US" altLang="ko-KR" dirty="0"/>
+              <a:t>, </a:t>
+            </a:r>
+            <a:r>
+              <a:rPr lang="en-US" altLang="ko-KR" dirty="0" err="1"/>
+              <a:t>Y_test</a:t>
+            </a:r>
+            <a:r>
+              <a:rPr lang="en-US" altLang="ko-KR" dirty="0"/>
+              <a:t> </a:t>
+            </a:r>
+          </a:p>
+          <a:p>
+            <a:r>
+              <a:rPr lang="ko-KR" altLang="en-US" dirty="0"/>
+              <a:t>생성</a:t>
+            </a:r>
+          </a:p>
+        </p:txBody>
+      </p:sp>
+      <p:pic>
+        <p:nvPicPr>
+          <p:cNvPr id="6" name="그림 5">
+            <a:extLst>
+              <a:ext uri="{FF2B5EF4-FFF2-40B4-BE49-F238E27FC236}">
+                <a16:creationId xmlns:a16="http://schemas.microsoft.com/office/drawing/2014/main" id="{5476F55A-BC5F-4565-BD03-EBCA99AFB64F}"/>
+              </a:ext>
+            </a:extLst>
+          </p:cNvPr>
+          <p:cNvPicPr>
+            <a:picLocks noChangeAspect="1"/>
+          </p:cNvPicPr>
+          <p:nvPr/>
+        </p:nvPicPr>
+        <p:blipFill rotWithShape="1">
+          <a:blip r:embed="rId2"/>
+          <a:srcRect b="48108"/>
+          <a:stretch/>
+        </p:blipFill>
+        <p:spPr>
+          <a:xfrm>
+            <a:off x="215549" y="181231"/>
+            <a:ext cx="4216408" cy="5698057"/>
+          </a:xfrm>
+          <a:prstGeom prst="rect">
+            <a:avLst/>
+          </a:prstGeom>
+        </p:spPr>
+      </p:pic>
+      <p:pic>
+        <p:nvPicPr>
+          <p:cNvPr id="7" name="그림 6">
+            <a:extLst>
+              <a:ext uri="{FF2B5EF4-FFF2-40B4-BE49-F238E27FC236}">
+                <a16:creationId xmlns:a16="http://schemas.microsoft.com/office/drawing/2014/main" id="{44166854-485E-4812-A349-CE795666A56B}"/>
+              </a:ext>
+            </a:extLst>
+          </p:cNvPr>
+          <p:cNvPicPr>
+            <a:picLocks noChangeAspect="1"/>
+          </p:cNvPicPr>
+          <p:nvPr/>
+        </p:nvPicPr>
+        <p:blipFill rotWithShape="1">
+          <a:blip r:embed="rId2"/>
+          <a:srcRect t="51651" b="-3543"/>
+          <a:stretch/>
+        </p:blipFill>
+        <p:spPr>
+          <a:xfrm>
+            <a:off x="4431957" y="181231"/>
+            <a:ext cx="4216408" cy="5698057"/>
+          </a:xfrm>
+          <a:prstGeom prst="rect">
+            <a:avLst/>
+          </a:prstGeom>
+        </p:spPr>
+      </p:pic>
+      <p:sp>
+        <p:nvSpPr>
+          <p:cNvPr id="8" name="직사각형 7">
+            <a:extLst>
+              <a:ext uri="{FF2B5EF4-FFF2-40B4-BE49-F238E27FC236}">
+                <a16:creationId xmlns:a16="http://schemas.microsoft.com/office/drawing/2014/main" id="{49E98F85-D455-4BC1-A459-64A08053D622}"/>
+              </a:ext>
+            </a:extLst>
+          </p:cNvPr>
+          <p:cNvSpPr/>
+          <p:nvPr/>
+        </p:nvSpPr>
+        <p:spPr>
+          <a:xfrm>
+            <a:off x="215549" y="181231"/>
+            <a:ext cx="4216408" cy="2685537"/>
+          </a:xfrm>
+          <a:prstGeom prst="rect">
+            <a:avLst/>
+          </a:prstGeom>
+          <a:noFill/>
+          <a:ln w="25400">
+            <a:solidFill>
+              <a:srgbClr val="FF0000"/>
+            </a:solidFill>
+          </a:ln>
+        </p:spPr>
+        <p:style>
+          <a:lnRef idx="2">
+            <a:schemeClr val="accent1">
+              <a:shade val="50000"/>
+            </a:schemeClr>
+          </a:lnRef>
+          <a:fillRef idx="1">
+            <a:schemeClr val="accent1"/>
+          </a:fillRef>
+          <a:effectRef idx="0">
+            <a:schemeClr val="accent1"/>
+          </a:effectRef>
+          <a:fontRef idx="minor">
+            <a:schemeClr val="lt1"/>
+          </a:fontRef>
+        </p:style>
+        <p:txBody>
+          <a:bodyPr rtlCol="0" anchor="ctr"/>
+          <a:lstStyle/>
+          <a:p>
+            <a:pPr algn="ctr"/>
+            <a:endParaRPr lang="ko-KR" altLang="en-US"/>
+          </a:p>
+        </p:txBody>
+      </p:sp>
+    </p:spTree>
+    <p:extLst>
+      <p:ext uri="{BB962C8B-B14F-4D97-AF65-F5344CB8AC3E}">
+        <p14:creationId xmlns:p14="http://schemas.microsoft.com/office/powerpoint/2010/main" val="964441297"/>
+      </p:ext>
+    </p:extLst>
+  </p:cSld>
+  <p:clrMapOvr>
+    <a:masterClrMapping/>
+  </p:clrMapOvr>
+</p:sld>
+</file>
+
+<file path=ppt/slides/slide3.xml><?xml version="1.0" encoding="utf-8"?>
+<p:sld xmlns:a="http://schemas.openxmlformats.org/drawingml/2006/main" xmlns:r="http://schemas.openxmlformats.org/officeDocument/2006/relationships" xmlns:p="http://schemas.openxmlformats.org/presentationml/2006/main">
+  <p:cSld>
+    <p:spTree>
+      <p:nvGrpSpPr>
+        <p:cNvPr id="1" name=""/>
+        <p:cNvGrpSpPr/>
+        <p:nvPr/>
+      </p:nvGrpSpPr>
+      <p:grpSpPr>
+        <a:xfrm>
+          <a:off x="0" y="0"/>
+          <a:ext cx="0" cy="0"/>
+          <a:chOff x="0" y="0"/>
+          <a:chExt cx="0" cy="0"/>
+        </a:xfrm>
+      </p:grpSpPr>
       <p:pic>
         <p:nvPicPr>
           <p:cNvPr id="4" name="그림 3">
@@ -4884,7 +5117,7 @@
 </p:sld>
 </file>
 
-<file path=ppt/slides/slide3.xml><?xml version="1.0" encoding="utf-8"?>
+<file path=ppt/slides/slide4.xml><?xml version="1.0" encoding="utf-8"?>
 <p:sld xmlns:a="http://schemas.openxmlformats.org/drawingml/2006/main" xmlns:r="http://schemas.openxmlformats.org/officeDocument/2006/relationships" xmlns:p="http://schemas.openxmlformats.org/presentationml/2006/main">
   <p:cSld>
     <p:spTree>
@@ -5382,7 +5615,7 @@
 </p:sld>
 </file>
 
-<file path=ppt/slides/slide4.xml><?xml version="1.0" encoding="utf-8"?>
+<file path=ppt/slides/slide5.xml><?xml version="1.0" encoding="utf-8"?>
 <p:sld xmlns:a="http://schemas.openxmlformats.org/drawingml/2006/main" xmlns:r="http://schemas.openxmlformats.org/officeDocument/2006/relationships" xmlns:p="http://schemas.openxmlformats.org/presentationml/2006/main">
   <p:cSld>
     <p:spTree>
@@ -6491,7 +6724,7 @@
 </p:sld>
 </file>
 
-<file path=ppt/slides/slide5.xml><?xml version="1.0" encoding="utf-8"?>
+<file path=ppt/slides/slide6.xml><?xml version="1.0" encoding="utf-8"?>
 <p:sld xmlns:a="http://schemas.openxmlformats.org/drawingml/2006/main" xmlns:r="http://schemas.openxmlformats.org/officeDocument/2006/relationships" xmlns:p="http://schemas.openxmlformats.org/presentationml/2006/main">
   <p:cSld>
     <p:spTree>
@@ -7831,7 +8064,375 @@
 </p:sld>
 </file>
 
-<file path=ppt/slides/slide6.xml><?xml version="1.0" encoding="utf-8"?>
+<file path=ppt/slides/slide7.xml><?xml version="1.0" encoding="utf-8"?>
+<p:sld xmlns:a="http://schemas.openxmlformats.org/drawingml/2006/main" xmlns:r="http://schemas.openxmlformats.org/officeDocument/2006/relationships" xmlns:p="http://schemas.openxmlformats.org/presentationml/2006/main">
+  <p:cSld>
+    <p:spTree>
+      <p:nvGrpSpPr>
+        <p:cNvPr id="1" name=""/>
+        <p:cNvGrpSpPr/>
+        <p:nvPr/>
+      </p:nvGrpSpPr>
+      <p:grpSpPr>
+        <a:xfrm>
+          <a:off x="0" y="0"/>
+          <a:ext cx="0" cy="0"/>
+          <a:chOff x="0" y="0"/>
+          <a:chExt cx="0" cy="0"/>
+        </a:xfrm>
+      </p:grpSpPr>
+      <p:sp>
+        <p:nvSpPr>
+          <p:cNvPr id="5" name="TextBox 4">
+            <a:extLst>
+              <a:ext uri="{FF2B5EF4-FFF2-40B4-BE49-F238E27FC236}">
+                <a16:creationId xmlns:a16="http://schemas.microsoft.com/office/drawing/2014/main" id="{654F1252-E77C-4E4D-AF03-DA578AFA8FF7}"/>
+              </a:ext>
+            </a:extLst>
+          </p:cNvPr>
+          <p:cNvSpPr txBox="1"/>
+          <p:nvPr/>
+        </p:nvSpPr>
+        <p:spPr>
+          <a:xfrm>
+            <a:off x="8776536" y="4240352"/>
+            <a:ext cx="2350323" cy="1200329"/>
+          </a:xfrm>
+          <a:prstGeom prst="rect">
+            <a:avLst/>
+          </a:prstGeom>
+          <a:noFill/>
+        </p:spPr>
+        <p:txBody>
+          <a:bodyPr wrap="none" rtlCol="0">
+            <a:spAutoFit/>
+          </a:bodyPr>
+          <a:lstStyle/>
+          <a:p>
+            <a:pPr algn="ctr"/>
+            <a:r>
+              <a:rPr lang="en-US" altLang="ko-KR" dirty="0"/>
+              <a:t>Matplotlib</a:t>
+            </a:r>
+            <a:r>
+              <a:rPr lang="ko-KR" altLang="en-US" dirty="0"/>
+              <a:t>을 사용</a:t>
+            </a:r>
+            <a:endParaRPr lang="en-US" altLang="ko-KR" dirty="0"/>
+          </a:p>
+          <a:p>
+            <a:pPr algn="ctr"/>
+            <a:endParaRPr lang="en-US" altLang="ko-KR" dirty="0"/>
+          </a:p>
+          <a:p>
+            <a:pPr algn="ctr"/>
+            <a:endParaRPr lang="en-US" altLang="ko-KR" dirty="0"/>
+          </a:p>
+          <a:p>
+            <a:pPr algn="ctr"/>
+            <a:r>
+              <a:rPr lang="en-US" altLang="ko-KR" dirty="0"/>
+              <a:t>GUI</a:t>
+            </a:r>
+            <a:r>
+              <a:rPr lang="ko-KR" altLang="en-US" dirty="0"/>
+              <a:t>를 활용하여 사용</a:t>
+            </a:r>
+            <a:endParaRPr lang="en-US" altLang="ko-KR" dirty="0"/>
+          </a:p>
+        </p:txBody>
+      </p:sp>
+      <p:pic>
+        <p:nvPicPr>
+          <p:cNvPr id="6" name="그림 5">
+            <a:extLst>
+              <a:ext uri="{FF2B5EF4-FFF2-40B4-BE49-F238E27FC236}">
+                <a16:creationId xmlns:a16="http://schemas.microsoft.com/office/drawing/2014/main" id="{5476F55A-BC5F-4565-BD03-EBCA99AFB64F}"/>
+              </a:ext>
+            </a:extLst>
+          </p:cNvPr>
+          <p:cNvPicPr>
+            <a:picLocks noChangeAspect="1"/>
+          </p:cNvPicPr>
+          <p:nvPr/>
+        </p:nvPicPr>
+        <p:blipFill rotWithShape="1">
+          <a:blip r:embed="rId2"/>
+          <a:srcRect b="48108"/>
+          <a:stretch/>
+        </p:blipFill>
+        <p:spPr>
+          <a:xfrm>
+            <a:off x="215549" y="181231"/>
+            <a:ext cx="4216408" cy="5698057"/>
+          </a:xfrm>
+          <a:prstGeom prst="rect">
+            <a:avLst/>
+          </a:prstGeom>
+        </p:spPr>
+      </p:pic>
+      <p:pic>
+        <p:nvPicPr>
+          <p:cNvPr id="7" name="그림 6">
+            <a:extLst>
+              <a:ext uri="{FF2B5EF4-FFF2-40B4-BE49-F238E27FC236}">
+                <a16:creationId xmlns:a16="http://schemas.microsoft.com/office/drawing/2014/main" id="{44166854-485E-4812-A349-CE795666A56B}"/>
+              </a:ext>
+            </a:extLst>
+          </p:cNvPr>
+          <p:cNvPicPr>
+            <a:picLocks noChangeAspect="1"/>
+          </p:cNvPicPr>
+          <p:nvPr/>
+        </p:nvPicPr>
+        <p:blipFill rotWithShape="1">
+          <a:blip r:embed="rId2"/>
+          <a:srcRect t="51651" b="-3543"/>
+          <a:stretch/>
+        </p:blipFill>
+        <p:spPr>
+          <a:xfrm>
+            <a:off x="4431957" y="181231"/>
+            <a:ext cx="4216408" cy="5698057"/>
+          </a:xfrm>
+          <a:prstGeom prst="rect">
+            <a:avLst/>
+          </a:prstGeom>
+        </p:spPr>
+      </p:pic>
+      <p:sp>
+        <p:nvSpPr>
+          <p:cNvPr id="8" name="직사각형 7">
+            <a:extLst>
+              <a:ext uri="{FF2B5EF4-FFF2-40B4-BE49-F238E27FC236}">
+                <a16:creationId xmlns:a16="http://schemas.microsoft.com/office/drawing/2014/main" id="{49E98F85-D455-4BC1-A459-64A08053D622}"/>
+              </a:ext>
+            </a:extLst>
+          </p:cNvPr>
+          <p:cNvSpPr/>
+          <p:nvPr/>
+        </p:nvSpPr>
+        <p:spPr>
+          <a:xfrm>
+            <a:off x="4431957" y="4450702"/>
+            <a:ext cx="4216408" cy="1056629"/>
+          </a:xfrm>
+          <a:prstGeom prst="rect">
+            <a:avLst/>
+          </a:prstGeom>
+          <a:noFill/>
+          <a:ln w="25400">
+            <a:solidFill>
+              <a:srgbClr val="FF0000"/>
+            </a:solidFill>
+          </a:ln>
+        </p:spPr>
+        <p:style>
+          <a:lnRef idx="2">
+            <a:schemeClr val="accent1">
+              <a:shade val="50000"/>
+            </a:schemeClr>
+          </a:lnRef>
+          <a:fillRef idx="1">
+            <a:schemeClr val="accent1"/>
+          </a:fillRef>
+          <a:effectRef idx="0">
+            <a:schemeClr val="accent1"/>
+          </a:effectRef>
+          <a:fontRef idx="minor">
+            <a:schemeClr val="lt1"/>
+          </a:fontRef>
+        </p:style>
+        <p:txBody>
+          <a:bodyPr rtlCol="0" anchor="ctr"/>
+          <a:lstStyle/>
+          <a:p>
+            <a:pPr algn="ctr"/>
+            <a:endParaRPr lang="ko-KR" altLang="en-US"/>
+          </a:p>
+        </p:txBody>
+      </p:sp>
+      <p:cxnSp>
+        <p:nvCxnSpPr>
+          <p:cNvPr id="3" name="직선 화살표 연결선 2">
+            <a:extLst>
+              <a:ext uri="{FF2B5EF4-FFF2-40B4-BE49-F238E27FC236}">
+                <a16:creationId xmlns:a16="http://schemas.microsoft.com/office/drawing/2014/main" id="{F04BA6D5-BCCD-4B35-871B-1BEC176F42A1}"/>
+              </a:ext>
+            </a:extLst>
+          </p:cNvPr>
+          <p:cNvCxnSpPr/>
+          <p:nvPr/>
+        </p:nvCxnSpPr>
+        <p:spPr>
+          <a:xfrm>
+            <a:off x="9881118" y="4581331"/>
+            <a:ext cx="0" cy="485191"/>
+          </a:xfrm>
+          <a:prstGeom prst="straightConnector1">
+            <a:avLst/>
+          </a:prstGeom>
+          <a:ln w="25400">
+            <a:solidFill>
+              <a:srgbClr val="FF0000"/>
+            </a:solidFill>
+            <a:tailEnd type="triangle"/>
+          </a:ln>
+        </p:spPr>
+        <p:style>
+          <a:lnRef idx="1">
+            <a:schemeClr val="accent1"/>
+          </a:lnRef>
+          <a:fillRef idx="0">
+            <a:schemeClr val="accent1"/>
+          </a:fillRef>
+          <a:effectRef idx="0">
+            <a:schemeClr val="accent1"/>
+          </a:effectRef>
+          <a:fontRef idx="minor">
+            <a:schemeClr val="tx1"/>
+          </a:fontRef>
+        </p:style>
+      </p:cxnSp>
+    </p:spTree>
+    <p:extLst>
+      <p:ext uri="{BB962C8B-B14F-4D97-AF65-F5344CB8AC3E}">
+        <p14:creationId xmlns:p14="http://schemas.microsoft.com/office/powerpoint/2010/main" val="786964904"/>
+      </p:ext>
+    </p:extLst>
+  </p:cSld>
+  <p:clrMapOvr>
+    <a:masterClrMapping/>
+  </p:clrMapOvr>
+</p:sld>
+</file>
+
+<file path=ppt/slides/slide8.xml><?xml version="1.0" encoding="utf-8"?>
+<p:sld xmlns:a="http://schemas.openxmlformats.org/drawingml/2006/main" xmlns:r="http://schemas.openxmlformats.org/officeDocument/2006/relationships" xmlns:p="http://schemas.openxmlformats.org/presentationml/2006/main">
+  <p:cSld>
+    <p:spTree>
+      <p:nvGrpSpPr>
+        <p:cNvPr id="1" name=""/>
+        <p:cNvGrpSpPr/>
+        <p:nvPr/>
+      </p:nvGrpSpPr>
+      <p:grpSpPr>
+        <a:xfrm>
+          <a:off x="0" y="0"/>
+          <a:ext cx="0" cy="0"/>
+          <a:chOff x="0" y="0"/>
+          <a:chExt cx="0" cy="0"/>
+        </a:xfrm>
+      </p:grpSpPr>
+      <p:pic>
+        <p:nvPicPr>
+          <p:cNvPr id="4" name="그림 3">
+            <a:extLst>
+              <a:ext uri="{FF2B5EF4-FFF2-40B4-BE49-F238E27FC236}">
+                <a16:creationId xmlns:a16="http://schemas.microsoft.com/office/drawing/2014/main" id="{90C5770E-C192-45B4-81EB-EB6BF0C539EE}"/>
+              </a:ext>
+            </a:extLst>
+          </p:cNvPr>
+          <p:cNvPicPr>
+            <a:picLocks noChangeAspect="1"/>
+          </p:cNvPicPr>
+          <p:nvPr/>
+        </p:nvPicPr>
+        <p:blipFill>
+          <a:blip r:embed="rId2"/>
+          <a:stretch>
+            <a:fillRect/>
+          </a:stretch>
+        </p:blipFill>
+        <p:spPr>
+          <a:xfrm>
+            <a:off x="276420" y="971550"/>
+            <a:ext cx="3676650" cy="4914900"/>
+          </a:xfrm>
+          <a:prstGeom prst="rect">
+            <a:avLst/>
+          </a:prstGeom>
+        </p:spPr>
+      </p:pic>
+      <p:sp>
+        <p:nvSpPr>
+          <p:cNvPr id="5" name="TextBox 4">
+            <a:extLst>
+              <a:ext uri="{FF2B5EF4-FFF2-40B4-BE49-F238E27FC236}">
+                <a16:creationId xmlns:a16="http://schemas.microsoft.com/office/drawing/2014/main" id="{5CAB0AB8-6F21-4DF0-913A-88E59464811C}"/>
+              </a:ext>
+            </a:extLst>
+          </p:cNvPr>
+          <p:cNvSpPr txBox="1"/>
+          <p:nvPr/>
+        </p:nvSpPr>
+        <p:spPr>
+          <a:xfrm>
+            <a:off x="4208106" y="242596"/>
+            <a:ext cx="4204997" cy="461665"/>
+          </a:xfrm>
+          <a:prstGeom prst="rect">
+            <a:avLst/>
+          </a:prstGeom>
+          <a:noFill/>
+        </p:spPr>
+        <p:txBody>
+          <a:bodyPr wrap="none" rtlCol="0">
+            <a:spAutoFit/>
+          </a:bodyPr>
+          <a:lstStyle/>
+          <a:p>
+            <a:r>
+              <a:rPr lang="ko-KR" altLang="en-US" sz="2400" b="1" dirty="0"/>
+              <a:t>학생들이 실제로 작성할 코드</a:t>
+            </a:r>
+          </a:p>
+        </p:txBody>
+      </p:sp>
+      <p:pic>
+        <p:nvPicPr>
+          <p:cNvPr id="6" name="그림 5">
+            <a:extLst>
+              <a:ext uri="{FF2B5EF4-FFF2-40B4-BE49-F238E27FC236}">
+                <a16:creationId xmlns:a16="http://schemas.microsoft.com/office/drawing/2014/main" id="{335314A4-676C-4995-8CAA-9EA58AC6C522}"/>
+              </a:ext>
+            </a:extLst>
+          </p:cNvPr>
+          <p:cNvPicPr>
+            <a:picLocks noChangeAspect="1"/>
+          </p:cNvPicPr>
+          <p:nvPr/>
+        </p:nvPicPr>
+        <p:blipFill>
+          <a:blip r:embed="rId3"/>
+          <a:stretch>
+            <a:fillRect/>
+          </a:stretch>
+        </p:blipFill>
+        <p:spPr>
+          <a:xfrm>
+            <a:off x="4029366" y="825953"/>
+            <a:ext cx="4562475" cy="5467350"/>
+          </a:xfrm>
+          <a:prstGeom prst="rect">
+            <a:avLst/>
+          </a:prstGeom>
+        </p:spPr>
+      </p:pic>
+    </p:spTree>
+    <p:extLst>
+      <p:ext uri="{BB962C8B-B14F-4D97-AF65-F5344CB8AC3E}">
+        <p14:creationId xmlns:p14="http://schemas.microsoft.com/office/powerpoint/2010/main" val="4159569361"/>
+      </p:ext>
+    </p:extLst>
+  </p:cSld>
+  <p:clrMapOvr>
+    <a:masterClrMapping/>
+  </p:clrMapOvr>
+</p:sld>
+</file>
+
+<file path=ppt/slides/slide9.xml><?xml version="1.0" encoding="utf-8"?>
 <p:sld xmlns:a="http://schemas.openxmlformats.org/drawingml/2006/main" xmlns:r="http://schemas.openxmlformats.org/officeDocument/2006/relationships" xmlns:p="http://schemas.openxmlformats.org/presentationml/2006/main">
   <p:cSld>
     <p:spTree>
